--- a/ppt 16-9/0926.神国是努力进入.pptx
+++ b/ppt 16-9/0926.神国是努力进入.pptx
@@ -129,7 +129,7 @@
           <p:cNvPr id="2" name="标题 1">
             <a:extLst>
               <a:ext uri="{FF2B5EF4-FFF2-40B4-BE49-F238E27FC236}">
-                <a16:creationId xmlns:a16="http://schemas.microsoft.com/office/drawing/2014/main" id="{D73D8372-0C7F-EEDE-C9AB-1BAF131870C1}"/>
+                <a16:creationId xmlns:a16="http://schemas.microsoft.com/office/drawing/2014/main" id="{7C07AC08-AC00-3A35-D526-6DD85577203E}"/>
               </a:ext>
             </a:extLst>
           </p:cNvPr>
@@ -166,7 +166,7 @@
           <p:cNvPr id="3" name="副标题 2">
             <a:extLst>
               <a:ext uri="{FF2B5EF4-FFF2-40B4-BE49-F238E27FC236}">
-                <a16:creationId xmlns:a16="http://schemas.microsoft.com/office/drawing/2014/main" id="{CCB7024E-EB80-325C-1562-A7C03FFB6D23}"/>
+                <a16:creationId xmlns:a16="http://schemas.microsoft.com/office/drawing/2014/main" id="{33F66392-5FAB-8483-1921-9EA873916476}"/>
               </a:ext>
             </a:extLst>
           </p:cNvPr>
@@ -236,7 +236,7 @@
           <p:cNvPr id="4" name="日期占位符 3">
             <a:extLst>
               <a:ext uri="{FF2B5EF4-FFF2-40B4-BE49-F238E27FC236}">
-                <a16:creationId xmlns:a16="http://schemas.microsoft.com/office/drawing/2014/main" id="{17505E65-8E92-EE8A-F524-F44996427561}"/>
+                <a16:creationId xmlns:a16="http://schemas.microsoft.com/office/drawing/2014/main" id="{C11AC458-B662-38D0-F9A1-892699514206}"/>
               </a:ext>
             </a:extLst>
           </p:cNvPr>
@@ -252,7 +252,7 @@
           <a:bodyPr/>
           <a:lstStyle/>
           <a:p>
-            <a:fld id="{7CDF4B5A-ADA5-4B91-820D-8EEBF51A96D2}" type="datetimeFigureOut">
+            <a:fld id="{D4F4D170-5CB4-4BC4-A6BE-97FCAE7D6290}" type="datetimeFigureOut">
               <a:rPr lang="zh-CN" altLang="en-US" smtClean="0"/>
               <a:t>2024/3/10</a:t>
             </a:fld>
@@ -265,7 +265,7 @@
           <p:cNvPr id="5" name="页脚占位符 4">
             <a:extLst>
               <a:ext uri="{FF2B5EF4-FFF2-40B4-BE49-F238E27FC236}">
-                <a16:creationId xmlns:a16="http://schemas.microsoft.com/office/drawing/2014/main" id="{68C061AA-B6F7-0623-D800-9A81C48219EA}"/>
+                <a16:creationId xmlns:a16="http://schemas.microsoft.com/office/drawing/2014/main" id="{60579D41-7F06-7EA5-A1CF-C4D244574176}"/>
               </a:ext>
             </a:extLst>
           </p:cNvPr>
@@ -290,7 +290,7 @@
           <p:cNvPr id="6" name="灯片编号占位符 5">
             <a:extLst>
               <a:ext uri="{FF2B5EF4-FFF2-40B4-BE49-F238E27FC236}">
-                <a16:creationId xmlns:a16="http://schemas.microsoft.com/office/drawing/2014/main" id="{A53D888A-63CD-CF49-A11E-15525837C9E8}"/>
+                <a16:creationId xmlns:a16="http://schemas.microsoft.com/office/drawing/2014/main" id="{CDBF0230-E2C0-B0E5-77ED-3C269F4A1E8C}"/>
               </a:ext>
             </a:extLst>
           </p:cNvPr>
@@ -306,7 +306,7 @@
           <a:bodyPr/>
           <a:lstStyle/>
           <a:p>
-            <a:fld id="{AB37BA6F-1822-40F2-A446-7211726FF22B}" type="slidenum">
+            <a:fld id="{CB8CD5CE-ED87-4230-8BF3-796F854843CA}" type="slidenum">
               <a:rPr lang="zh-CN" altLang="en-US" smtClean="0"/>
               <a:t>‹#›</a:t>
             </a:fld>
@@ -317,7 +317,7 @@
     </p:spTree>
     <p:extLst>
       <p:ext uri="{BB962C8B-B14F-4D97-AF65-F5344CB8AC3E}">
-        <p14:creationId xmlns:p14="http://schemas.microsoft.com/office/powerpoint/2010/main" val="4184773439"/>
+        <p14:creationId xmlns:p14="http://schemas.microsoft.com/office/powerpoint/2010/main" val="583100017"/>
       </p:ext>
     </p:extLst>
   </p:cSld>
@@ -349,7 +349,7 @@
           <p:cNvPr id="2" name="标题 1">
             <a:extLst>
               <a:ext uri="{FF2B5EF4-FFF2-40B4-BE49-F238E27FC236}">
-                <a16:creationId xmlns:a16="http://schemas.microsoft.com/office/drawing/2014/main" id="{2C36D6F5-AD2C-0D2D-2455-42C4C3907D4A}"/>
+                <a16:creationId xmlns:a16="http://schemas.microsoft.com/office/drawing/2014/main" id="{9DBF17E0-C91E-32D0-48BC-952267E9E139}"/>
               </a:ext>
             </a:extLst>
           </p:cNvPr>
@@ -377,7 +377,7 @@
           <p:cNvPr id="3" name="竖排文字占位符 2">
             <a:extLst>
               <a:ext uri="{FF2B5EF4-FFF2-40B4-BE49-F238E27FC236}">
-                <a16:creationId xmlns:a16="http://schemas.microsoft.com/office/drawing/2014/main" id="{FEA7F0DE-9300-96CB-4EBD-A33EEA65124B}"/>
+                <a16:creationId xmlns:a16="http://schemas.microsoft.com/office/drawing/2014/main" id="{2E34DCC5-7120-CB7B-C10E-7F28FB1D6A5A}"/>
               </a:ext>
             </a:extLst>
           </p:cNvPr>
@@ -434,7 +434,7 @@
           <p:cNvPr id="4" name="日期占位符 3">
             <a:extLst>
               <a:ext uri="{FF2B5EF4-FFF2-40B4-BE49-F238E27FC236}">
-                <a16:creationId xmlns:a16="http://schemas.microsoft.com/office/drawing/2014/main" id="{D2A17904-E3BC-A029-9216-3C2F35B8C239}"/>
+                <a16:creationId xmlns:a16="http://schemas.microsoft.com/office/drawing/2014/main" id="{A470D4FB-F1D5-D66C-CB51-C313A848ABC6}"/>
               </a:ext>
             </a:extLst>
           </p:cNvPr>
@@ -450,7 +450,7 @@
           <a:bodyPr/>
           <a:lstStyle/>
           <a:p>
-            <a:fld id="{7CDF4B5A-ADA5-4B91-820D-8EEBF51A96D2}" type="datetimeFigureOut">
+            <a:fld id="{D4F4D170-5CB4-4BC4-A6BE-97FCAE7D6290}" type="datetimeFigureOut">
               <a:rPr lang="zh-CN" altLang="en-US" smtClean="0"/>
               <a:t>2024/3/10</a:t>
             </a:fld>
@@ -463,7 +463,7 @@
           <p:cNvPr id="5" name="页脚占位符 4">
             <a:extLst>
               <a:ext uri="{FF2B5EF4-FFF2-40B4-BE49-F238E27FC236}">
-                <a16:creationId xmlns:a16="http://schemas.microsoft.com/office/drawing/2014/main" id="{E7353274-CA47-C58F-D840-69D5EFDF279D}"/>
+                <a16:creationId xmlns:a16="http://schemas.microsoft.com/office/drawing/2014/main" id="{F1210ABC-E38D-2CE4-3DFF-E114954809DA}"/>
               </a:ext>
             </a:extLst>
           </p:cNvPr>
@@ -488,7 +488,7 @@
           <p:cNvPr id="6" name="灯片编号占位符 5">
             <a:extLst>
               <a:ext uri="{FF2B5EF4-FFF2-40B4-BE49-F238E27FC236}">
-                <a16:creationId xmlns:a16="http://schemas.microsoft.com/office/drawing/2014/main" id="{107B3A89-6A77-FF7B-682F-DBB13B88540C}"/>
+                <a16:creationId xmlns:a16="http://schemas.microsoft.com/office/drawing/2014/main" id="{E018C441-8442-04EA-39EA-A88A8AABBDE4}"/>
               </a:ext>
             </a:extLst>
           </p:cNvPr>
@@ -504,7 +504,7 @@
           <a:bodyPr/>
           <a:lstStyle/>
           <a:p>
-            <a:fld id="{AB37BA6F-1822-40F2-A446-7211726FF22B}" type="slidenum">
+            <a:fld id="{CB8CD5CE-ED87-4230-8BF3-796F854843CA}" type="slidenum">
               <a:rPr lang="zh-CN" altLang="en-US" smtClean="0"/>
               <a:t>‹#›</a:t>
             </a:fld>
@@ -515,7 +515,7 @@
     </p:spTree>
     <p:extLst>
       <p:ext uri="{BB962C8B-B14F-4D97-AF65-F5344CB8AC3E}">
-        <p14:creationId xmlns:p14="http://schemas.microsoft.com/office/powerpoint/2010/main" val="1988284907"/>
+        <p14:creationId xmlns:p14="http://schemas.microsoft.com/office/powerpoint/2010/main" val="3401656192"/>
       </p:ext>
     </p:extLst>
   </p:cSld>
@@ -547,7 +547,7 @@
           <p:cNvPr id="2" name="竖排标题 1">
             <a:extLst>
               <a:ext uri="{FF2B5EF4-FFF2-40B4-BE49-F238E27FC236}">
-                <a16:creationId xmlns:a16="http://schemas.microsoft.com/office/drawing/2014/main" id="{931DA4EE-8729-3E3C-666C-71A5BD5DE280}"/>
+                <a16:creationId xmlns:a16="http://schemas.microsoft.com/office/drawing/2014/main" id="{44FB05C7-E666-C034-EC7E-420815520D30}"/>
               </a:ext>
             </a:extLst>
           </p:cNvPr>
@@ -580,7 +580,7 @@
           <p:cNvPr id="3" name="竖排文字占位符 2">
             <a:extLst>
               <a:ext uri="{FF2B5EF4-FFF2-40B4-BE49-F238E27FC236}">
-                <a16:creationId xmlns:a16="http://schemas.microsoft.com/office/drawing/2014/main" id="{3FFE980E-0DF7-6108-EB05-26BF59ED5BA6}"/>
+                <a16:creationId xmlns:a16="http://schemas.microsoft.com/office/drawing/2014/main" id="{A0B09F64-362E-1170-A0DD-7898B45B21DB}"/>
               </a:ext>
             </a:extLst>
           </p:cNvPr>
@@ -642,7 +642,7 @@
           <p:cNvPr id="4" name="日期占位符 3">
             <a:extLst>
               <a:ext uri="{FF2B5EF4-FFF2-40B4-BE49-F238E27FC236}">
-                <a16:creationId xmlns:a16="http://schemas.microsoft.com/office/drawing/2014/main" id="{5CBF99D9-468C-0C53-2533-E48C4F631A14}"/>
+                <a16:creationId xmlns:a16="http://schemas.microsoft.com/office/drawing/2014/main" id="{450D440D-EEB3-3361-5AC2-F238D53C06B6}"/>
               </a:ext>
             </a:extLst>
           </p:cNvPr>
@@ -658,7 +658,7 @@
           <a:bodyPr/>
           <a:lstStyle/>
           <a:p>
-            <a:fld id="{7CDF4B5A-ADA5-4B91-820D-8EEBF51A96D2}" type="datetimeFigureOut">
+            <a:fld id="{D4F4D170-5CB4-4BC4-A6BE-97FCAE7D6290}" type="datetimeFigureOut">
               <a:rPr lang="zh-CN" altLang="en-US" smtClean="0"/>
               <a:t>2024/3/10</a:t>
             </a:fld>
@@ -671,7 +671,7 @@
           <p:cNvPr id="5" name="页脚占位符 4">
             <a:extLst>
               <a:ext uri="{FF2B5EF4-FFF2-40B4-BE49-F238E27FC236}">
-                <a16:creationId xmlns:a16="http://schemas.microsoft.com/office/drawing/2014/main" id="{3176B4EE-FFB3-5C69-8489-59C71B0FD79F}"/>
+                <a16:creationId xmlns:a16="http://schemas.microsoft.com/office/drawing/2014/main" id="{18C5CB63-FC86-1C79-5926-4FA560919548}"/>
               </a:ext>
             </a:extLst>
           </p:cNvPr>
@@ -696,7 +696,7 @@
           <p:cNvPr id="6" name="灯片编号占位符 5">
             <a:extLst>
               <a:ext uri="{FF2B5EF4-FFF2-40B4-BE49-F238E27FC236}">
-                <a16:creationId xmlns:a16="http://schemas.microsoft.com/office/drawing/2014/main" id="{45D09D8E-9356-7F0D-6C10-E14822387E62}"/>
+                <a16:creationId xmlns:a16="http://schemas.microsoft.com/office/drawing/2014/main" id="{A6A2F9D6-9EE9-8C8C-11D6-D18DF34E2239}"/>
               </a:ext>
             </a:extLst>
           </p:cNvPr>
@@ -712,7 +712,7 @@
           <a:bodyPr/>
           <a:lstStyle/>
           <a:p>
-            <a:fld id="{AB37BA6F-1822-40F2-A446-7211726FF22B}" type="slidenum">
+            <a:fld id="{CB8CD5CE-ED87-4230-8BF3-796F854843CA}" type="slidenum">
               <a:rPr lang="zh-CN" altLang="en-US" smtClean="0"/>
               <a:t>‹#›</a:t>
             </a:fld>
@@ -723,7 +723,7 @@
     </p:spTree>
     <p:extLst>
       <p:ext uri="{BB962C8B-B14F-4D97-AF65-F5344CB8AC3E}">
-        <p14:creationId xmlns:p14="http://schemas.microsoft.com/office/powerpoint/2010/main" val="2722562770"/>
+        <p14:creationId xmlns:p14="http://schemas.microsoft.com/office/powerpoint/2010/main" val="1835889180"/>
       </p:ext>
     </p:extLst>
   </p:cSld>
@@ -755,7 +755,7 @@
           <p:cNvPr id="2" name="标题 1">
             <a:extLst>
               <a:ext uri="{FF2B5EF4-FFF2-40B4-BE49-F238E27FC236}">
-                <a16:creationId xmlns:a16="http://schemas.microsoft.com/office/drawing/2014/main" id="{8F08B8E8-8793-C094-88BD-6D4CD54F5EA7}"/>
+                <a16:creationId xmlns:a16="http://schemas.microsoft.com/office/drawing/2014/main" id="{B34AF258-CB12-2EC1-7969-29FE68F9657B}"/>
               </a:ext>
             </a:extLst>
           </p:cNvPr>
@@ -783,7 +783,7 @@
           <p:cNvPr id="3" name="内容占位符 2">
             <a:extLst>
               <a:ext uri="{FF2B5EF4-FFF2-40B4-BE49-F238E27FC236}">
-                <a16:creationId xmlns:a16="http://schemas.microsoft.com/office/drawing/2014/main" id="{178ED7DB-9F80-D646-FD05-FB797F6D7614}"/>
+                <a16:creationId xmlns:a16="http://schemas.microsoft.com/office/drawing/2014/main" id="{5930FB2F-A9BD-445A-2C5F-C9213D3DBC13}"/>
               </a:ext>
             </a:extLst>
           </p:cNvPr>
@@ -840,7 +840,7 @@
           <p:cNvPr id="4" name="日期占位符 3">
             <a:extLst>
               <a:ext uri="{FF2B5EF4-FFF2-40B4-BE49-F238E27FC236}">
-                <a16:creationId xmlns:a16="http://schemas.microsoft.com/office/drawing/2014/main" id="{CAA19CE4-6B3F-359D-6EAA-FA279EB5697D}"/>
+                <a16:creationId xmlns:a16="http://schemas.microsoft.com/office/drawing/2014/main" id="{FB2C2C7D-0206-80D6-4D53-227DC6223494}"/>
               </a:ext>
             </a:extLst>
           </p:cNvPr>
@@ -856,7 +856,7 @@
           <a:bodyPr/>
           <a:lstStyle/>
           <a:p>
-            <a:fld id="{7CDF4B5A-ADA5-4B91-820D-8EEBF51A96D2}" type="datetimeFigureOut">
+            <a:fld id="{D4F4D170-5CB4-4BC4-A6BE-97FCAE7D6290}" type="datetimeFigureOut">
               <a:rPr lang="zh-CN" altLang="en-US" smtClean="0"/>
               <a:t>2024/3/10</a:t>
             </a:fld>
@@ -869,7 +869,7 @@
           <p:cNvPr id="5" name="页脚占位符 4">
             <a:extLst>
               <a:ext uri="{FF2B5EF4-FFF2-40B4-BE49-F238E27FC236}">
-                <a16:creationId xmlns:a16="http://schemas.microsoft.com/office/drawing/2014/main" id="{A277E368-CE25-7884-D833-2689FD909027}"/>
+                <a16:creationId xmlns:a16="http://schemas.microsoft.com/office/drawing/2014/main" id="{1DC952C7-9FD5-26A7-6134-3BD2DC994853}"/>
               </a:ext>
             </a:extLst>
           </p:cNvPr>
@@ -894,7 +894,7 @@
           <p:cNvPr id="6" name="灯片编号占位符 5">
             <a:extLst>
               <a:ext uri="{FF2B5EF4-FFF2-40B4-BE49-F238E27FC236}">
-                <a16:creationId xmlns:a16="http://schemas.microsoft.com/office/drawing/2014/main" id="{7CDF5371-1B5B-08E4-13CE-6939BB5B53C5}"/>
+                <a16:creationId xmlns:a16="http://schemas.microsoft.com/office/drawing/2014/main" id="{335FBEB3-55CD-2334-49B0-86B2651782DB}"/>
               </a:ext>
             </a:extLst>
           </p:cNvPr>
@@ -910,7 +910,7 @@
           <a:bodyPr/>
           <a:lstStyle/>
           <a:p>
-            <a:fld id="{AB37BA6F-1822-40F2-A446-7211726FF22B}" type="slidenum">
+            <a:fld id="{CB8CD5CE-ED87-4230-8BF3-796F854843CA}" type="slidenum">
               <a:rPr lang="zh-CN" altLang="en-US" smtClean="0"/>
               <a:t>‹#›</a:t>
             </a:fld>
@@ -921,7 +921,7 @@
     </p:spTree>
     <p:extLst>
       <p:ext uri="{BB962C8B-B14F-4D97-AF65-F5344CB8AC3E}">
-        <p14:creationId xmlns:p14="http://schemas.microsoft.com/office/powerpoint/2010/main" val="2308262226"/>
+        <p14:creationId xmlns:p14="http://schemas.microsoft.com/office/powerpoint/2010/main" val="3959970170"/>
       </p:ext>
     </p:extLst>
   </p:cSld>
@@ -953,7 +953,7 @@
           <p:cNvPr id="2" name="标题 1">
             <a:extLst>
               <a:ext uri="{FF2B5EF4-FFF2-40B4-BE49-F238E27FC236}">
-                <a16:creationId xmlns:a16="http://schemas.microsoft.com/office/drawing/2014/main" id="{17119B3F-7859-5833-5881-6D310E12C392}"/>
+                <a16:creationId xmlns:a16="http://schemas.microsoft.com/office/drawing/2014/main" id="{2709E405-E592-3BA5-2030-4043782929C2}"/>
               </a:ext>
             </a:extLst>
           </p:cNvPr>
@@ -990,7 +990,7 @@
           <p:cNvPr id="3" name="文本占位符 2">
             <a:extLst>
               <a:ext uri="{FF2B5EF4-FFF2-40B4-BE49-F238E27FC236}">
-                <a16:creationId xmlns:a16="http://schemas.microsoft.com/office/drawing/2014/main" id="{B9E30532-8FC2-26CA-680D-BD25F853C36A}"/>
+                <a16:creationId xmlns:a16="http://schemas.microsoft.com/office/drawing/2014/main" id="{1A952106-D833-816F-3F6A-F586FF54AB60}"/>
               </a:ext>
             </a:extLst>
           </p:cNvPr>
@@ -1115,7 +1115,7 @@
           <p:cNvPr id="4" name="日期占位符 3">
             <a:extLst>
               <a:ext uri="{FF2B5EF4-FFF2-40B4-BE49-F238E27FC236}">
-                <a16:creationId xmlns:a16="http://schemas.microsoft.com/office/drawing/2014/main" id="{F3A63025-F104-7B48-9BEE-CBFFBDBC54A8}"/>
+                <a16:creationId xmlns:a16="http://schemas.microsoft.com/office/drawing/2014/main" id="{11C1AA97-246C-DD11-6266-86AC5CFC6EE1}"/>
               </a:ext>
             </a:extLst>
           </p:cNvPr>
@@ -1131,7 +1131,7 @@
           <a:bodyPr/>
           <a:lstStyle/>
           <a:p>
-            <a:fld id="{7CDF4B5A-ADA5-4B91-820D-8EEBF51A96D2}" type="datetimeFigureOut">
+            <a:fld id="{D4F4D170-5CB4-4BC4-A6BE-97FCAE7D6290}" type="datetimeFigureOut">
               <a:rPr lang="zh-CN" altLang="en-US" smtClean="0"/>
               <a:t>2024/3/10</a:t>
             </a:fld>
@@ -1144,7 +1144,7 @@
           <p:cNvPr id="5" name="页脚占位符 4">
             <a:extLst>
               <a:ext uri="{FF2B5EF4-FFF2-40B4-BE49-F238E27FC236}">
-                <a16:creationId xmlns:a16="http://schemas.microsoft.com/office/drawing/2014/main" id="{FC6DAB4C-90CA-37C4-2AAF-9B2FF5A2263E}"/>
+                <a16:creationId xmlns:a16="http://schemas.microsoft.com/office/drawing/2014/main" id="{71A4A2D1-E552-6A48-2A37-EE24D8753FD4}"/>
               </a:ext>
             </a:extLst>
           </p:cNvPr>
@@ -1169,7 +1169,7 @@
           <p:cNvPr id="6" name="灯片编号占位符 5">
             <a:extLst>
               <a:ext uri="{FF2B5EF4-FFF2-40B4-BE49-F238E27FC236}">
-                <a16:creationId xmlns:a16="http://schemas.microsoft.com/office/drawing/2014/main" id="{B36C433C-22B1-E25D-0DD7-4AE858BC0A1C}"/>
+                <a16:creationId xmlns:a16="http://schemas.microsoft.com/office/drawing/2014/main" id="{0817B951-BB2C-D191-E008-65E0D70B8AE3}"/>
               </a:ext>
             </a:extLst>
           </p:cNvPr>
@@ -1185,7 +1185,7 @@
           <a:bodyPr/>
           <a:lstStyle/>
           <a:p>
-            <a:fld id="{AB37BA6F-1822-40F2-A446-7211726FF22B}" type="slidenum">
+            <a:fld id="{CB8CD5CE-ED87-4230-8BF3-796F854843CA}" type="slidenum">
               <a:rPr lang="zh-CN" altLang="en-US" smtClean="0"/>
               <a:t>‹#›</a:t>
             </a:fld>
@@ -1196,7 +1196,7 @@
     </p:spTree>
     <p:extLst>
       <p:ext uri="{BB962C8B-B14F-4D97-AF65-F5344CB8AC3E}">
-        <p14:creationId xmlns:p14="http://schemas.microsoft.com/office/powerpoint/2010/main" val="1452652153"/>
+        <p14:creationId xmlns:p14="http://schemas.microsoft.com/office/powerpoint/2010/main" val="2530810230"/>
       </p:ext>
     </p:extLst>
   </p:cSld>
@@ -1228,7 +1228,7 @@
           <p:cNvPr id="2" name="标题 1">
             <a:extLst>
               <a:ext uri="{FF2B5EF4-FFF2-40B4-BE49-F238E27FC236}">
-                <a16:creationId xmlns:a16="http://schemas.microsoft.com/office/drawing/2014/main" id="{5D56FE9B-6531-B059-66ED-184F4F9A3D7D}"/>
+                <a16:creationId xmlns:a16="http://schemas.microsoft.com/office/drawing/2014/main" id="{15D7B73F-E75B-158F-5130-AA051A93EEA8}"/>
               </a:ext>
             </a:extLst>
           </p:cNvPr>
@@ -1256,7 +1256,7 @@
           <p:cNvPr id="3" name="内容占位符 2">
             <a:extLst>
               <a:ext uri="{FF2B5EF4-FFF2-40B4-BE49-F238E27FC236}">
-                <a16:creationId xmlns:a16="http://schemas.microsoft.com/office/drawing/2014/main" id="{37EC359A-C0E0-5C82-220B-4622E8224D33}"/>
+                <a16:creationId xmlns:a16="http://schemas.microsoft.com/office/drawing/2014/main" id="{A1E08729-FCFB-F4C1-C4A1-3D4A32134F0B}"/>
               </a:ext>
             </a:extLst>
           </p:cNvPr>
@@ -1318,7 +1318,7 @@
           <p:cNvPr id="4" name="内容占位符 3">
             <a:extLst>
               <a:ext uri="{FF2B5EF4-FFF2-40B4-BE49-F238E27FC236}">
-                <a16:creationId xmlns:a16="http://schemas.microsoft.com/office/drawing/2014/main" id="{665D90FC-C70E-4DCC-0FE6-F0A5958526E1}"/>
+                <a16:creationId xmlns:a16="http://schemas.microsoft.com/office/drawing/2014/main" id="{A7461D93-B2CA-0153-DF33-BB10F376D986}"/>
               </a:ext>
             </a:extLst>
           </p:cNvPr>
@@ -1380,7 +1380,7 @@
           <p:cNvPr id="5" name="日期占位符 4">
             <a:extLst>
               <a:ext uri="{FF2B5EF4-FFF2-40B4-BE49-F238E27FC236}">
-                <a16:creationId xmlns:a16="http://schemas.microsoft.com/office/drawing/2014/main" id="{02FB0187-DCE2-CBCB-BFD2-238AE8FFEE47}"/>
+                <a16:creationId xmlns:a16="http://schemas.microsoft.com/office/drawing/2014/main" id="{A25A5C77-997A-D091-EA41-A4C063535490}"/>
               </a:ext>
             </a:extLst>
           </p:cNvPr>
@@ -1396,7 +1396,7 @@
           <a:bodyPr/>
           <a:lstStyle/>
           <a:p>
-            <a:fld id="{7CDF4B5A-ADA5-4B91-820D-8EEBF51A96D2}" type="datetimeFigureOut">
+            <a:fld id="{D4F4D170-5CB4-4BC4-A6BE-97FCAE7D6290}" type="datetimeFigureOut">
               <a:rPr lang="zh-CN" altLang="en-US" smtClean="0"/>
               <a:t>2024/3/10</a:t>
             </a:fld>
@@ -1409,7 +1409,7 @@
           <p:cNvPr id="6" name="页脚占位符 5">
             <a:extLst>
               <a:ext uri="{FF2B5EF4-FFF2-40B4-BE49-F238E27FC236}">
-                <a16:creationId xmlns:a16="http://schemas.microsoft.com/office/drawing/2014/main" id="{046EECA9-DDE8-8184-CB82-492B1418575C}"/>
+                <a16:creationId xmlns:a16="http://schemas.microsoft.com/office/drawing/2014/main" id="{026E5B39-4A03-1412-A6BA-1E00A523FE9A}"/>
               </a:ext>
             </a:extLst>
           </p:cNvPr>
@@ -1434,7 +1434,7 @@
           <p:cNvPr id="7" name="灯片编号占位符 6">
             <a:extLst>
               <a:ext uri="{FF2B5EF4-FFF2-40B4-BE49-F238E27FC236}">
-                <a16:creationId xmlns:a16="http://schemas.microsoft.com/office/drawing/2014/main" id="{675CCC6C-539F-63E2-535D-693343DAB346}"/>
+                <a16:creationId xmlns:a16="http://schemas.microsoft.com/office/drawing/2014/main" id="{8FA09D9A-6473-0C16-C45D-542E9609C619}"/>
               </a:ext>
             </a:extLst>
           </p:cNvPr>
@@ -1450,7 +1450,7 @@
           <a:bodyPr/>
           <a:lstStyle/>
           <a:p>
-            <a:fld id="{AB37BA6F-1822-40F2-A446-7211726FF22B}" type="slidenum">
+            <a:fld id="{CB8CD5CE-ED87-4230-8BF3-796F854843CA}" type="slidenum">
               <a:rPr lang="zh-CN" altLang="en-US" smtClean="0"/>
               <a:t>‹#›</a:t>
             </a:fld>
@@ -1461,7 +1461,7 @@
     </p:spTree>
     <p:extLst>
       <p:ext uri="{BB962C8B-B14F-4D97-AF65-F5344CB8AC3E}">
-        <p14:creationId xmlns:p14="http://schemas.microsoft.com/office/powerpoint/2010/main" val="3372821033"/>
+        <p14:creationId xmlns:p14="http://schemas.microsoft.com/office/powerpoint/2010/main" val="3114768118"/>
       </p:ext>
     </p:extLst>
   </p:cSld>
@@ -1493,7 +1493,7 @@
           <p:cNvPr id="2" name="标题 1">
             <a:extLst>
               <a:ext uri="{FF2B5EF4-FFF2-40B4-BE49-F238E27FC236}">
-                <a16:creationId xmlns:a16="http://schemas.microsoft.com/office/drawing/2014/main" id="{A997A14C-65BC-3851-6B79-B1F58F91BB6C}"/>
+                <a16:creationId xmlns:a16="http://schemas.microsoft.com/office/drawing/2014/main" id="{8A3A596A-E839-C06A-D07B-0C78F7EC5BF3}"/>
               </a:ext>
             </a:extLst>
           </p:cNvPr>
@@ -1526,7 +1526,7 @@
           <p:cNvPr id="3" name="文本占位符 2">
             <a:extLst>
               <a:ext uri="{FF2B5EF4-FFF2-40B4-BE49-F238E27FC236}">
-                <a16:creationId xmlns:a16="http://schemas.microsoft.com/office/drawing/2014/main" id="{36635260-4DED-EB00-6700-DAC7ADB5894D}"/>
+                <a16:creationId xmlns:a16="http://schemas.microsoft.com/office/drawing/2014/main" id="{3528AC0E-3892-3225-5C36-6570DDFB28E8}"/>
               </a:ext>
             </a:extLst>
           </p:cNvPr>
@@ -1597,7 +1597,7 @@
           <p:cNvPr id="4" name="内容占位符 3">
             <a:extLst>
               <a:ext uri="{FF2B5EF4-FFF2-40B4-BE49-F238E27FC236}">
-                <a16:creationId xmlns:a16="http://schemas.microsoft.com/office/drawing/2014/main" id="{D67B4213-4BC4-8A32-1D10-A21BB6B8D4B5}"/>
+                <a16:creationId xmlns:a16="http://schemas.microsoft.com/office/drawing/2014/main" id="{B900D1FA-E2D9-4DB0-AA1E-3814F1760B9A}"/>
               </a:ext>
             </a:extLst>
           </p:cNvPr>
@@ -1659,7 +1659,7 @@
           <p:cNvPr id="5" name="文本占位符 4">
             <a:extLst>
               <a:ext uri="{FF2B5EF4-FFF2-40B4-BE49-F238E27FC236}">
-                <a16:creationId xmlns:a16="http://schemas.microsoft.com/office/drawing/2014/main" id="{294F2E1E-48F8-E1FF-D886-2B62F343492F}"/>
+                <a16:creationId xmlns:a16="http://schemas.microsoft.com/office/drawing/2014/main" id="{9690B4A8-C885-185B-26F3-D59E75DFD955}"/>
               </a:ext>
             </a:extLst>
           </p:cNvPr>
@@ -1730,7 +1730,7 @@
           <p:cNvPr id="6" name="内容占位符 5">
             <a:extLst>
               <a:ext uri="{FF2B5EF4-FFF2-40B4-BE49-F238E27FC236}">
-                <a16:creationId xmlns:a16="http://schemas.microsoft.com/office/drawing/2014/main" id="{BCECF500-0997-B996-97DF-C0DBD2224D3A}"/>
+                <a16:creationId xmlns:a16="http://schemas.microsoft.com/office/drawing/2014/main" id="{B7F05240-5596-7AE8-B932-2ED89DF20543}"/>
               </a:ext>
             </a:extLst>
           </p:cNvPr>
@@ -1792,7 +1792,7 @@
           <p:cNvPr id="7" name="日期占位符 6">
             <a:extLst>
               <a:ext uri="{FF2B5EF4-FFF2-40B4-BE49-F238E27FC236}">
-                <a16:creationId xmlns:a16="http://schemas.microsoft.com/office/drawing/2014/main" id="{5A51E1D4-CE96-B2FD-7A6E-D8E31612D700}"/>
+                <a16:creationId xmlns:a16="http://schemas.microsoft.com/office/drawing/2014/main" id="{C881FEEF-3244-72ED-561E-0E3C7F1A2E5F}"/>
               </a:ext>
             </a:extLst>
           </p:cNvPr>
@@ -1808,7 +1808,7 @@
           <a:bodyPr/>
           <a:lstStyle/>
           <a:p>
-            <a:fld id="{7CDF4B5A-ADA5-4B91-820D-8EEBF51A96D2}" type="datetimeFigureOut">
+            <a:fld id="{D4F4D170-5CB4-4BC4-A6BE-97FCAE7D6290}" type="datetimeFigureOut">
               <a:rPr lang="zh-CN" altLang="en-US" smtClean="0"/>
               <a:t>2024/3/10</a:t>
             </a:fld>
@@ -1821,7 +1821,7 @@
           <p:cNvPr id="8" name="页脚占位符 7">
             <a:extLst>
               <a:ext uri="{FF2B5EF4-FFF2-40B4-BE49-F238E27FC236}">
-                <a16:creationId xmlns:a16="http://schemas.microsoft.com/office/drawing/2014/main" id="{8BF78D9B-537D-C273-45B1-161D682912F1}"/>
+                <a16:creationId xmlns:a16="http://schemas.microsoft.com/office/drawing/2014/main" id="{05E78694-7620-B4B7-FD2B-098F538BCC13}"/>
               </a:ext>
             </a:extLst>
           </p:cNvPr>
@@ -1846,7 +1846,7 @@
           <p:cNvPr id="9" name="灯片编号占位符 8">
             <a:extLst>
               <a:ext uri="{FF2B5EF4-FFF2-40B4-BE49-F238E27FC236}">
-                <a16:creationId xmlns:a16="http://schemas.microsoft.com/office/drawing/2014/main" id="{F4EFF981-5A0A-8165-D8F7-26CCBC28FEED}"/>
+                <a16:creationId xmlns:a16="http://schemas.microsoft.com/office/drawing/2014/main" id="{75E0C987-D914-EA3D-B28A-3DBAAD095BC9}"/>
               </a:ext>
             </a:extLst>
           </p:cNvPr>
@@ -1862,7 +1862,7 @@
           <a:bodyPr/>
           <a:lstStyle/>
           <a:p>
-            <a:fld id="{AB37BA6F-1822-40F2-A446-7211726FF22B}" type="slidenum">
+            <a:fld id="{CB8CD5CE-ED87-4230-8BF3-796F854843CA}" type="slidenum">
               <a:rPr lang="zh-CN" altLang="en-US" smtClean="0"/>
               <a:t>‹#›</a:t>
             </a:fld>
@@ -1873,7 +1873,7 @@
     </p:spTree>
     <p:extLst>
       <p:ext uri="{BB962C8B-B14F-4D97-AF65-F5344CB8AC3E}">
-        <p14:creationId xmlns:p14="http://schemas.microsoft.com/office/powerpoint/2010/main" val="4272194000"/>
+        <p14:creationId xmlns:p14="http://schemas.microsoft.com/office/powerpoint/2010/main" val="3432047144"/>
       </p:ext>
     </p:extLst>
   </p:cSld>
@@ -1905,7 +1905,7 @@
           <p:cNvPr id="2" name="标题 1">
             <a:extLst>
               <a:ext uri="{FF2B5EF4-FFF2-40B4-BE49-F238E27FC236}">
-                <a16:creationId xmlns:a16="http://schemas.microsoft.com/office/drawing/2014/main" id="{CFBC452B-4EAB-45B4-8616-78F956099757}"/>
+                <a16:creationId xmlns:a16="http://schemas.microsoft.com/office/drawing/2014/main" id="{6A0A6823-A81A-1970-4261-6AC2D2549588}"/>
               </a:ext>
             </a:extLst>
           </p:cNvPr>
@@ -1933,7 +1933,7 @@
           <p:cNvPr id="3" name="日期占位符 2">
             <a:extLst>
               <a:ext uri="{FF2B5EF4-FFF2-40B4-BE49-F238E27FC236}">
-                <a16:creationId xmlns:a16="http://schemas.microsoft.com/office/drawing/2014/main" id="{2B5D3757-2783-0672-9069-D548E86C10E2}"/>
+                <a16:creationId xmlns:a16="http://schemas.microsoft.com/office/drawing/2014/main" id="{A410641B-C1DE-6BCA-2709-AC0FF0E3573E}"/>
               </a:ext>
             </a:extLst>
           </p:cNvPr>
@@ -1949,7 +1949,7 @@
           <a:bodyPr/>
           <a:lstStyle/>
           <a:p>
-            <a:fld id="{7CDF4B5A-ADA5-4B91-820D-8EEBF51A96D2}" type="datetimeFigureOut">
+            <a:fld id="{D4F4D170-5CB4-4BC4-A6BE-97FCAE7D6290}" type="datetimeFigureOut">
               <a:rPr lang="zh-CN" altLang="en-US" smtClean="0"/>
               <a:t>2024/3/10</a:t>
             </a:fld>
@@ -1962,7 +1962,7 @@
           <p:cNvPr id="4" name="页脚占位符 3">
             <a:extLst>
               <a:ext uri="{FF2B5EF4-FFF2-40B4-BE49-F238E27FC236}">
-                <a16:creationId xmlns:a16="http://schemas.microsoft.com/office/drawing/2014/main" id="{FD619D15-D8F3-9751-BEBB-B1CD561B4E0F}"/>
+                <a16:creationId xmlns:a16="http://schemas.microsoft.com/office/drawing/2014/main" id="{6ED70DCF-A2E1-9C60-6DB1-228882FD6F37}"/>
               </a:ext>
             </a:extLst>
           </p:cNvPr>
@@ -1987,7 +1987,7 @@
           <p:cNvPr id="5" name="灯片编号占位符 4">
             <a:extLst>
               <a:ext uri="{FF2B5EF4-FFF2-40B4-BE49-F238E27FC236}">
-                <a16:creationId xmlns:a16="http://schemas.microsoft.com/office/drawing/2014/main" id="{651B083B-CF64-DB4B-8DCD-CD36486AF14E}"/>
+                <a16:creationId xmlns:a16="http://schemas.microsoft.com/office/drawing/2014/main" id="{1714DFC9-DCEA-55F6-7889-3E4B8F2B238E}"/>
               </a:ext>
             </a:extLst>
           </p:cNvPr>
@@ -2003,7 +2003,7 @@
           <a:bodyPr/>
           <a:lstStyle/>
           <a:p>
-            <a:fld id="{AB37BA6F-1822-40F2-A446-7211726FF22B}" type="slidenum">
+            <a:fld id="{CB8CD5CE-ED87-4230-8BF3-796F854843CA}" type="slidenum">
               <a:rPr lang="zh-CN" altLang="en-US" smtClean="0"/>
               <a:t>‹#›</a:t>
             </a:fld>
@@ -2014,7 +2014,7 @@
     </p:spTree>
     <p:extLst>
       <p:ext uri="{BB962C8B-B14F-4D97-AF65-F5344CB8AC3E}">
-        <p14:creationId xmlns:p14="http://schemas.microsoft.com/office/powerpoint/2010/main" val="68592954"/>
+        <p14:creationId xmlns:p14="http://schemas.microsoft.com/office/powerpoint/2010/main" val="603429061"/>
       </p:ext>
     </p:extLst>
   </p:cSld>
@@ -2046,7 +2046,7 @@
           <p:cNvPr id="2" name="日期占位符 1">
             <a:extLst>
               <a:ext uri="{FF2B5EF4-FFF2-40B4-BE49-F238E27FC236}">
-                <a16:creationId xmlns:a16="http://schemas.microsoft.com/office/drawing/2014/main" id="{DB896E14-5F9F-3631-239C-EAC4395DF7F0}"/>
+                <a16:creationId xmlns:a16="http://schemas.microsoft.com/office/drawing/2014/main" id="{2C330508-7DF8-00BE-3EC5-633CC2909BC1}"/>
               </a:ext>
             </a:extLst>
           </p:cNvPr>
@@ -2062,7 +2062,7 @@
           <a:bodyPr/>
           <a:lstStyle/>
           <a:p>
-            <a:fld id="{7CDF4B5A-ADA5-4B91-820D-8EEBF51A96D2}" type="datetimeFigureOut">
+            <a:fld id="{D4F4D170-5CB4-4BC4-A6BE-97FCAE7D6290}" type="datetimeFigureOut">
               <a:rPr lang="zh-CN" altLang="en-US" smtClean="0"/>
               <a:t>2024/3/10</a:t>
             </a:fld>
@@ -2075,7 +2075,7 @@
           <p:cNvPr id="3" name="页脚占位符 2">
             <a:extLst>
               <a:ext uri="{FF2B5EF4-FFF2-40B4-BE49-F238E27FC236}">
-                <a16:creationId xmlns:a16="http://schemas.microsoft.com/office/drawing/2014/main" id="{33C717E4-AD70-299C-A808-BF119B2CF331}"/>
+                <a16:creationId xmlns:a16="http://schemas.microsoft.com/office/drawing/2014/main" id="{4EED5211-142C-7FB2-4C0D-2B33068A5E68}"/>
               </a:ext>
             </a:extLst>
           </p:cNvPr>
@@ -2100,7 +2100,7 @@
           <p:cNvPr id="4" name="灯片编号占位符 3">
             <a:extLst>
               <a:ext uri="{FF2B5EF4-FFF2-40B4-BE49-F238E27FC236}">
-                <a16:creationId xmlns:a16="http://schemas.microsoft.com/office/drawing/2014/main" id="{51963C29-7023-2AEF-4A13-75C80051A33E}"/>
+                <a16:creationId xmlns:a16="http://schemas.microsoft.com/office/drawing/2014/main" id="{F5F53390-D31B-8999-1972-D6A992865601}"/>
               </a:ext>
             </a:extLst>
           </p:cNvPr>
@@ -2116,7 +2116,7 @@
           <a:bodyPr/>
           <a:lstStyle/>
           <a:p>
-            <a:fld id="{AB37BA6F-1822-40F2-A446-7211726FF22B}" type="slidenum">
+            <a:fld id="{CB8CD5CE-ED87-4230-8BF3-796F854843CA}" type="slidenum">
               <a:rPr lang="zh-CN" altLang="en-US" smtClean="0"/>
               <a:t>‹#›</a:t>
             </a:fld>
@@ -2127,7 +2127,7 @@
     </p:spTree>
     <p:extLst>
       <p:ext uri="{BB962C8B-B14F-4D97-AF65-F5344CB8AC3E}">
-        <p14:creationId xmlns:p14="http://schemas.microsoft.com/office/powerpoint/2010/main" val="3954860800"/>
+        <p14:creationId xmlns:p14="http://schemas.microsoft.com/office/powerpoint/2010/main" val="1037162040"/>
       </p:ext>
     </p:extLst>
   </p:cSld>
@@ -2159,7 +2159,7 @@
           <p:cNvPr id="2" name="标题 1">
             <a:extLst>
               <a:ext uri="{FF2B5EF4-FFF2-40B4-BE49-F238E27FC236}">
-                <a16:creationId xmlns:a16="http://schemas.microsoft.com/office/drawing/2014/main" id="{2B8DDE2B-9A1D-8E04-1E74-CF81DBFC7958}"/>
+                <a16:creationId xmlns:a16="http://schemas.microsoft.com/office/drawing/2014/main" id="{76205ED0-70EE-353B-0241-D8A3B0FA19F3}"/>
               </a:ext>
             </a:extLst>
           </p:cNvPr>
@@ -2196,7 +2196,7 @@
           <p:cNvPr id="3" name="内容占位符 2">
             <a:extLst>
               <a:ext uri="{FF2B5EF4-FFF2-40B4-BE49-F238E27FC236}">
-                <a16:creationId xmlns:a16="http://schemas.microsoft.com/office/drawing/2014/main" id="{12A48098-7AF1-AA09-CB88-96AFC8040627}"/>
+                <a16:creationId xmlns:a16="http://schemas.microsoft.com/office/drawing/2014/main" id="{ED36506F-D223-550E-4F82-BC6B645CA1FA}"/>
               </a:ext>
             </a:extLst>
           </p:cNvPr>
@@ -2286,7 +2286,7 @@
           <p:cNvPr id="4" name="文本占位符 3">
             <a:extLst>
               <a:ext uri="{FF2B5EF4-FFF2-40B4-BE49-F238E27FC236}">
-                <a16:creationId xmlns:a16="http://schemas.microsoft.com/office/drawing/2014/main" id="{8C8BEDEC-1EEA-5B44-5A55-D2D99D357E60}"/>
+                <a16:creationId xmlns:a16="http://schemas.microsoft.com/office/drawing/2014/main" id="{4B32EFF9-2547-3CFC-E66B-8F5776D477BF}"/>
               </a:ext>
             </a:extLst>
           </p:cNvPr>
@@ -2357,7 +2357,7 @@
           <p:cNvPr id="5" name="日期占位符 4">
             <a:extLst>
               <a:ext uri="{FF2B5EF4-FFF2-40B4-BE49-F238E27FC236}">
-                <a16:creationId xmlns:a16="http://schemas.microsoft.com/office/drawing/2014/main" id="{4876C5DD-6964-80D8-EBD4-3FD11ECB13F4}"/>
+                <a16:creationId xmlns:a16="http://schemas.microsoft.com/office/drawing/2014/main" id="{70382F83-BA93-8036-AB64-27CAEC24956A}"/>
               </a:ext>
             </a:extLst>
           </p:cNvPr>
@@ -2373,7 +2373,7 @@
           <a:bodyPr/>
           <a:lstStyle/>
           <a:p>
-            <a:fld id="{7CDF4B5A-ADA5-4B91-820D-8EEBF51A96D2}" type="datetimeFigureOut">
+            <a:fld id="{D4F4D170-5CB4-4BC4-A6BE-97FCAE7D6290}" type="datetimeFigureOut">
               <a:rPr lang="zh-CN" altLang="en-US" smtClean="0"/>
               <a:t>2024/3/10</a:t>
             </a:fld>
@@ -2386,7 +2386,7 @@
           <p:cNvPr id="6" name="页脚占位符 5">
             <a:extLst>
               <a:ext uri="{FF2B5EF4-FFF2-40B4-BE49-F238E27FC236}">
-                <a16:creationId xmlns:a16="http://schemas.microsoft.com/office/drawing/2014/main" id="{6D2E7802-1FA7-5AE0-7712-6BBAD718BF16}"/>
+                <a16:creationId xmlns:a16="http://schemas.microsoft.com/office/drawing/2014/main" id="{0717EF50-DF9F-D690-6AB6-BE49FE2DC33C}"/>
               </a:ext>
             </a:extLst>
           </p:cNvPr>
@@ -2411,7 +2411,7 @@
           <p:cNvPr id="7" name="灯片编号占位符 6">
             <a:extLst>
               <a:ext uri="{FF2B5EF4-FFF2-40B4-BE49-F238E27FC236}">
-                <a16:creationId xmlns:a16="http://schemas.microsoft.com/office/drawing/2014/main" id="{D349A747-77F9-C4D5-7FD3-AC759F584C66}"/>
+                <a16:creationId xmlns:a16="http://schemas.microsoft.com/office/drawing/2014/main" id="{1B862899-F95F-5A8E-CAF6-9FE4661EA614}"/>
               </a:ext>
             </a:extLst>
           </p:cNvPr>
@@ -2427,7 +2427,7 @@
           <a:bodyPr/>
           <a:lstStyle/>
           <a:p>
-            <a:fld id="{AB37BA6F-1822-40F2-A446-7211726FF22B}" type="slidenum">
+            <a:fld id="{CB8CD5CE-ED87-4230-8BF3-796F854843CA}" type="slidenum">
               <a:rPr lang="zh-CN" altLang="en-US" smtClean="0"/>
               <a:t>‹#›</a:t>
             </a:fld>
@@ -2438,7 +2438,7 @@
     </p:spTree>
     <p:extLst>
       <p:ext uri="{BB962C8B-B14F-4D97-AF65-F5344CB8AC3E}">
-        <p14:creationId xmlns:p14="http://schemas.microsoft.com/office/powerpoint/2010/main" val="195536216"/>
+        <p14:creationId xmlns:p14="http://schemas.microsoft.com/office/powerpoint/2010/main" val="1315760419"/>
       </p:ext>
     </p:extLst>
   </p:cSld>
@@ -2470,7 +2470,7 @@
           <p:cNvPr id="2" name="标题 1">
             <a:extLst>
               <a:ext uri="{FF2B5EF4-FFF2-40B4-BE49-F238E27FC236}">
-                <a16:creationId xmlns:a16="http://schemas.microsoft.com/office/drawing/2014/main" id="{C8CB1051-22A8-F5D8-247A-CDD28A9E717D}"/>
+                <a16:creationId xmlns:a16="http://schemas.microsoft.com/office/drawing/2014/main" id="{AF169498-D5D2-9F61-7026-51994EE2A61E}"/>
               </a:ext>
             </a:extLst>
           </p:cNvPr>
@@ -2507,7 +2507,7 @@
           <p:cNvPr id="3" name="图片占位符 2">
             <a:extLst>
               <a:ext uri="{FF2B5EF4-FFF2-40B4-BE49-F238E27FC236}">
-                <a16:creationId xmlns:a16="http://schemas.microsoft.com/office/drawing/2014/main" id="{281F529E-4FE5-D278-9CB8-BFFB4FC2D4BC}"/>
+                <a16:creationId xmlns:a16="http://schemas.microsoft.com/office/drawing/2014/main" id="{12BDCC5B-D0B3-CB26-36F1-3A217B3C7949}"/>
               </a:ext>
             </a:extLst>
           </p:cNvPr>
@@ -2574,7 +2574,7 @@
           <p:cNvPr id="4" name="文本占位符 3">
             <a:extLst>
               <a:ext uri="{FF2B5EF4-FFF2-40B4-BE49-F238E27FC236}">
-                <a16:creationId xmlns:a16="http://schemas.microsoft.com/office/drawing/2014/main" id="{3A47D5D3-2D44-2FDB-004D-B945B0C14242}"/>
+                <a16:creationId xmlns:a16="http://schemas.microsoft.com/office/drawing/2014/main" id="{4AB7B3AF-3446-EDBD-A787-3CFFD76C4A3F}"/>
               </a:ext>
             </a:extLst>
           </p:cNvPr>
@@ -2645,7 +2645,7 @@
           <p:cNvPr id="5" name="日期占位符 4">
             <a:extLst>
               <a:ext uri="{FF2B5EF4-FFF2-40B4-BE49-F238E27FC236}">
-                <a16:creationId xmlns:a16="http://schemas.microsoft.com/office/drawing/2014/main" id="{8CDAF067-45AF-1725-4651-F04A6C0066BC}"/>
+                <a16:creationId xmlns:a16="http://schemas.microsoft.com/office/drawing/2014/main" id="{9EA773F9-AE54-B9D0-02EF-A844C874F330}"/>
               </a:ext>
             </a:extLst>
           </p:cNvPr>
@@ -2661,7 +2661,7 @@
           <a:bodyPr/>
           <a:lstStyle/>
           <a:p>
-            <a:fld id="{7CDF4B5A-ADA5-4B91-820D-8EEBF51A96D2}" type="datetimeFigureOut">
+            <a:fld id="{D4F4D170-5CB4-4BC4-A6BE-97FCAE7D6290}" type="datetimeFigureOut">
               <a:rPr lang="zh-CN" altLang="en-US" smtClean="0"/>
               <a:t>2024/3/10</a:t>
             </a:fld>
@@ -2674,7 +2674,7 @@
           <p:cNvPr id="6" name="页脚占位符 5">
             <a:extLst>
               <a:ext uri="{FF2B5EF4-FFF2-40B4-BE49-F238E27FC236}">
-                <a16:creationId xmlns:a16="http://schemas.microsoft.com/office/drawing/2014/main" id="{EE458BE2-DC86-1E92-246C-D5FED575D0EB}"/>
+                <a16:creationId xmlns:a16="http://schemas.microsoft.com/office/drawing/2014/main" id="{D04FB74C-BDC9-A7BF-C7E0-DF83EEB09728}"/>
               </a:ext>
             </a:extLst>
           </p:cNvPr>
@@ -2699,7 +2699,7 @@
           <p:cNvPr id="7" name="灯片编号占位符 6">
             <a:extLst>
               <a:ext uri="{FF2B5EF4-FFF2-40B4-BE49-F238E27FC236}">
-                <a16:creationId xmlns:a16="http://schemas.microsoft.com/office/drawing/2014/main" id="{10AE6200-A234-A84E-FFFD-D5984DBE4062}"/>
+                <a16:creationId xmlns:a16="http://schemas.microsoft.com/office/drawing/2014/main" id="{26159547-B5D8-99FE-570D-864C6EA7F3B6}"/>
               </a:ext>
             </a:extLst>
           </p:cNvPr>
@@ -2715,7 +2715,7 @@
           <a:bodyPr/>
           <a:lstStyle/>
           <a:p>
-            <a:fld id="{AB37BA6F-1822-40F2-A446-7211726FF22B}" type="slidenum">
+            <a:fld id="{CB8CD5CE-ED87-4230-8BF3-796F854843CA}" type="slidenum">
               <a:rPr lang="zh-CN" altLang="en-US" smtClean="0"/>
               <a:t>‹#›</a:t>
             </a:fld>
@@ -2726,7 +2726,7 @@
     </p:spTree>
     <p:extLst>
       <p:ext uri="{BB962C8B-B14F-4D97-AF65-F5344CB8AC3E}">
-        <p14:creationId xmlns:p14="http://schemas.microsoft.com/office/powerpoint/2010/main" val="2124371557"/>
+        <p14:creationId xmlns:p14="http://schemas.microsoft.com/office/powerpoint/2010/main" val="502507856"/>
       </p:ext>
     </p:extLst>
   </p:cSld>
@@ -2763,7 +2763,7 @@
           <p:cNvPr id="2" name="标题占位符 1">
             <a:extLst>
               <a:ext uri="{FF2B5EF4-FFF2-40B4-BE49-F238E27FC236}">
-                <a16:creationId xmlns:a16="http://schemas.microsoft.com/office/drawing/2014/main" id="{8B8461B8-70F3-447C-62F0-936C125319D9}"/>
+                <a16:creationId xmlns:a16="http://schemas.microsoft.com/office/drawing/2014/main" id="{B30BD0EC-6226-BBAC-53DB-8790F6B7D297}"/>
               </a:ext>
             </a:extLst>
           </p:cNvPr>
@@ -2801,7 +2801,7 @@
           <p:cNvPr id="3" name="文本占位符 2">
             <a:extLst>
               <a:ext uri="{FF2B5EF4-FFF2-40B4-BE49-F238E27FC236}">
-                <a16:creationId xmlns:a16="http://schemas.microsoft.com/office/drawing/2014/main" id="{FE72C459-9291-CB0B-8BD0-D732871B1D03}"/>
+                <a16:creationId xmlns:a16="http://schemas.microsoft.com/office/drawing/2014/main" id="{A9FDC78A-46E5-6F5C-061A-0565B6D8C3BD}"/>
               </a:ext>
             </a:extLst>
           </p:cNvPr>
@@ -2868,7 +2868,7 @@
           <p:cNvPr id="4" name="日期占位符 3">
             <a:extLst>
               <a:ext uri="{FF2B5EF4-FFF2-40B4-BE49-F238E27FC236}">
-                <a16:creationId xmlns:a16="http://schemas.microsoft.com/office/drawing/2014/main" id="{63C39D91-7D9B-F1EE-CDF7-10DF180EE30C}"/>
+                <a16:creationId xmlns:a16="http://schemas.microsoft.com/office/drawing/2014/main" id="{C5CFF57C-C814-39AF-0E4B-19DDE753E536}"/>
               </a:ext>
             </a:extLst>
           </p:cNvPr>
@@ -2902,7 +2902,7 @@
             </a:lvl1pPr>
           </a:lstStyle>
           <a:p>
-            <a:fld id="{7CDF4B5A-ADA5-4B91-820D-8EEBF51A96D2}" type="datetimeFigureOut">
+            <a:fld id="{D4F4D170-5CB4-4BC4-A6BE-97FCAE7D6290}" type="datetimeFigureOut">
               <a:rPr lang="zh-CN" altLang="en-US" smtClean="0"/>
               <a:t>2024/3/10</a:t>
             </a:fld>
@@ -2915,7 +2915,7 @@
           <p:cNvPr id="5" name="页脚占位符 4">
             <a:extLst>
               <a:ext uri="{FF2B5EF4-FFF2-40B4-BE49-F238E27FC236}">
-                <a16:creationId xmlns:a16="http://schemas.microsoft.com/office/drawing/2014/main" id="{9C7E40C2-E1B1-6B23-F2B9-4105AEFD1AE8}"/>
+                <a16:creationId xmlns:a16="http://schemas.microsoft.com/office/drawing/2014/main" id="{FEF32767-E498-C5DD-434C-0699DC581B57}"/>
               </a:ext>
             </a:extLst>
           </p:cNvPr>
@@ -2958,7 +2958,7 @@
           <p:cNvPr id="6" name="灯片编号占位符 5">
             <a:extLst>
               <a:ext uri="{FF2B5EF4-FFF2-40B4-BE49-F238E27FC236}">
-                <a16:creationId xmlns:a16="http://schemas.microsoft.com/office/drawing/2014/main" id="{622B3450-8A1E-0E99-39BE-922CB6319211}"/>
+                <a16:creationId xmlns:a16="http://schemas.microsoft.com/office/drawing/2014/main" id="{116BA6BC-7B27-DB6C-144B-7DF3C6757F0D}"/>
               </a:ext>
             </a:extLst>
           </p:cNvPr>
@@ -2992,7 +2992,7 @@
             </a:lvl1pPr>
           </a:lstStyle>
           <a:p>
-            <a:fld id="{AB37BA6F-1822-40F2-A446-7211726FF22B}" type="slidenum">
+            <a:fld id="{CB8CD5CE-ED87-4230-8BF3-796F854843CA}" type="slidenum">
               <a:rPr lang="zh-CN" altLang="en-US" smtClean="0"/>
               <a:t>‹#›</a:t>
             </a:fld>
@@ -3003,7 +3003,7 @@
     </p:spTree>
     <p:extLst>
       <p:ext uri="{BB962C8B-B14F-4D97-AF65-F5344CB8AC3E}">
-        <p14:creationId xmlns:p14="http://schemas.microsoft.com/office/powerpoint/2010/main" val="2154568337"/>
+        <p14:creationId xmlns:p14="http://schemas.microsoft.com/office/powerpoint/2010/main" val="13059282"/>
       </p:ext>
     </p:extLst>
   </p:cSld>
